--- a/ppt 16-9/1121.主是我密友良.pptx
+++ b/ppt 16-9/1121.主是我密友良.pptx
@@ -129,7 +129,7 @@
           <p:cNvPr id="2" name="标题 1">
             <a:extLst>
               <a:ext uri="{FF2B5EF4-FFF2-40B4-BE49-F238E27FC236}">
-                <a16:creationId xmlns:a16="http://schemas.microsoft.com/office/drawing/2014/main" id="{B6F6602E-1955-AC36-7BCA-1058D3A74CC0}"/>
+                <a16:creationId xmlns:a16="http://schemas.microsoft.com/office/drawing/2014/main" id="{F3BA3D48-00C4-3022-62FF-E6AE38F05ABF}"/>
               </a:ext>
             </a:extLst>
           </p:cNvPr>
@@ -166,7 +166,7 @@
           <p:cNvPr id="3" name="副标题 2">
             <a:extLst>
               <a:ext uri="{FF2B5EF4-FFF2-40B4-BE49-F238E27FC236}">
-                <a16:creationId xmlns:a16="http://schemas.microsoft.com/office/drawing/2014/main" id="{EC2691D1-6789-4761-FD0F-A0810D01FF48}"/>
+                <a16:creationId xmlns:a16="http://schemas.microsoft.com/office/drawing/2014/main" id="{A32DAB8E-4A7A-0217-1AFA-6B02BCEA9A7E}"/>
               </a:ext>
             </a:extLst>
           </p:cNvPr>
@@ -236,7 +236,7 @@
           <p:cNvPr id="4" name="日期占位符 3">
             <a:extLst>
               <a:ext uri="{FF2B5EF4-FFF2-40B4-BE49-F238E27FC236}">
-                <a16:creationId xmlns:a16="http://schemas.microsoft.com/office/drawing/2014/main" id="{60A6D259-932F-3B72-F2CC-D7EE8E77719E}"/>
+                <a16:creationId xmlns:a16="http://schemas.microsoft.com/office/drawing/2014/main" id="{0E130475-424E-2CA6-8425-5E224D34FCD3}"/>
               </a:ext>
             </a:extLst>
           </p:cNvPr>
@@ -252,7 +252,7 @@
           <a:bodyPr/>
           <a:lstStyle/>
           <a:p>
-            <a:fld id="{ACCC97BF-A765-411E-A50C-6160093B84BF}" type="datetimeFigureOut">
+            <a:fld id="{6FBC94B3-DA25-4E1E-8CAD-1F0E85C51DED}" type="datetimeFigureOut">
               <a:rPr lang="zh-CN" altLang="en-US" smtClean="0"/>
               <a:t>2024/3/10</a:t>
             </a:fld>
@@ -265,7 +265,7 @@
           <p:cNvPr id="5" name="页脚占位符 4">
             <a:extLst>
               <a:ext uri="{FF2B5EF4-FFF2-40B4-BE49-F238E27FC236}">
-                <a16:creationId xmlns:a16="http://schemas.microsoft.com/office/drawing/2014/main" id="{299C2494-971E-6E58-01AE-60763A41C063}"/>
+                <a16:creationId xmlns:a16="http://schemas.microsoft.com/office/drawing/2014/main" id="{F99C688A-ABE4-B587-CD9E-5B107A6A3A69}"/>
               </a:ext>
             </a:extLst>
           </p:cNvPr>
@@ -290,7 +290,7 @@
           <p:cNvPr id="6" name="灯片编号占位符 5">
             <a:extLst>
               <a:ext uri="{FF2B5EF4-FFF2-40B4-BE49-F238E27FC236}">
-                <a16:creationId xmlns:a16="http://schemas.microsoft.com/office/drawing/2014/main" id="{35C6F43E-848D-3A0C-A682-043177B6AE9F}"/>
+                <a16:creationId xmlns:a16="http://schemas.microsoft.com/office/drawing/2014/main" id="{7EB7F2A3-4766-9CE9-B7E1-B916896715E9}"/>
               </a:ext>
             </a:extLst>
           </p:cNvPr>
@@ -306,7 +306,7 @@
           <a:bodyPr/>
           <a:lstStyle/>
           <a:p>
-            <a:fld id="{AD3B75F8-8824-49F4-AF09-A15E8B46BF26}" type="slidenum">
+            <a:fld id="{A092E477-B657-4E59-92A8-14884B95130C}" type="slidenum">
               <a:rPr lang="zh-CN" altLang="en-US" smtClean="0"/>
               <a:t>‹#›</a:t>
             </a:fld>
@@ -317,7 +317,7 @@
     </p:spTree>
     <p:extLst>
       <p:ext uri="{BB962C8B-B14F-4D97-AF65-F5344CB8AC3E}">
-        <p14:creationId xmlns:p14="http://schemas.microsoft.com/office/powerpoint/2010/main" val="1790330318"/>
+        <p14:creationId xmlns:p14="http://schemas.microsoft.com/office/powerpoint/2010/main" val="2007374809"/>
       </p:ext>
     </p:extLst>
   </p:cSld>
@@ -349,7 +349,7 @@
           <p:cNvPr id="2" name="标题 1">
             <a:extLst>
               <a:ext uri="{FF2B5EF4-FFF2-40B4-BE49-F238E27FC236}">
-                <a16:creationId xmlns:a16="http://schemas.microsoft.com/office/drawing/2014/main" id="{C2072E01-E179-2635-3933-41152B7C8F95}"/>
+                <a16:creationId xmlns:a16="http://schemas.microsoft.com/office/drawing/2014/main" id="{B8C8236D-6CA0-95B1-1769-13B69282C9EA}"/>
               </a:ext>
             </a:extLst>
           </p:cNvPr>
@@ -377,7 +377,7 @@
           <p:cNvPr id="3" name="竖排文字占位符 2">
             <a:extLst>
               <a:ext uri="{FF2B5EF4-FFF2-40B4-BE49-F238E27FC236}">
-                <a16:creationId xmlns:a16="http://schemas.microsoft.com/office/drawing/2014/main" id="{5386B27B-9BB6-B6C9-F04B-DE7C9F57DCFE}"/>
+                <a16:creationId xmlns:a16="http://schemas.microsoft.com/office/drawing/2014/main" id="{62FC7F38-A079-BD6A-D4DC-F0A005444AF1}"/>
               </a:ext>
             </a:extLst>
           </p:cNvPr>
@@ -434,7 +434,7 @@
           <p:cNvPr id="4" name="日期占位符 3">
             <a:extLst>
               <a:ext uri="{FF2B5EF4-FFF2-40B4-BE49-F238E27FC236}">
-                <a16:creationId xmlns:a16="http://schemas.microsoft.com/office/drawing/2014/main" id="{F0AF6FCA-BEB6-5167-6FF1-00829409A800}"/>
+                <a16:creationId xmlns:a16="http://schemas.microsoft.com/office/drawing/2014/main" id="{9DD50A77-FCAD-49C5-86EB-A1D063A215ED}"/>
               </a:ext>
             </a:extLst>
           </p:cNvPr>
@@ -450,7 +450,7 @@
           <a:bodyPr/>
           <a:lstStyle/>
           <a:p>
-            <a:fld id="{ACCC97BF-A765-411E-A50C-6160093B84BF}" type="datetimeFigureOut">
+            <a:fld id="{6FBC94B3-DA25-4E1E-8CAD-1F0E85C51DED}" type="datetimeFigureOut">
               <a:rPr lang="zh-CN" altLang="en-US" smtClean="0"/>
               <a:t>2024/3/10</a:t>
             </a:fld>
@@ -463,7 +463,7 @@
           <p:cNvPr id="5" name="页脚占位符 4">
             <a:extLst>
               <a:ext uri="{FF2B5EF4-FFF2-40B4-BE49-F238E27FC236}">
-                <a16:creationId xmlns:a16="http://schemas.microsoft.com/office/drawing/2014/main" id="{C5FB3D29-EE1C-EF57-6760-600E07721F4E}"/>
+                <a16:creationId xmlns:a16="http://schemas.microsoft.com/office/drawing/2014/main" id="{C36F1ED6-A4EA-5432-E7DF-306BE5DDC0A8}"/>
               </a:ext>
             </a:extLst>
           </p:cNvPr>
@@ -488,7 +488,7 @@
           <p:cNvPr id="6" name="灯片编号占位符 5">
             <a:extLst>
               <a:ext uri="{FF2B5EF4-FFF2-40B4-BE49-F238E27FC236}">
-                <a16:creationId xmlns:a16="http://schemas.microsoft.com/office/drawing/2014/main" id="{17BC3F2A-6AC2-EAA5-E5D9-AB21271112D7}"/>
+                <a16:creationId xmlns:a16="http://schemas.microsoft.com/office/drawing/2014/main" id="{FF84F443-733C-E172-9FDA-52B6578E7681}"/>
               </a:ext>
             </a:extLst>
           </p:cNvPr>
@@ -504,7 +504,7 @@
           <a:bodyPr/>
           <a:lstStyle/>
           <a:p>
-            <a:fld id="{AD3B75F8-8824-49F4-AF09-A15E8B46BF26}" type="slidenum">
+            <a:fld id="{A092E477-B657-4E59-92A8-14884B95130C}" type="slidenum">
               <a:rPr lang="zh-CN" altLang="en-US" smtClean="0"/>
               <a:t>‹#›</a:t>
             </a:fld>
@@ -515,7 +515,7 @@
     </p:spTree>
     <p:extLst>
       <p:ext uri="{BB962C8B-B14F-4D97-AF65-F5344CB8AC3E}">
-        <p14:creationId xmlns:p14="http://schemas.microsoft.com/office/powerpoint/2010/main" val="1439236544"/>
+        <p14:creationId xmlns:p14="http://schemas.microsoft.com/office/powerpoint/2010/main" val="865446048"/>
       </p:ext>
     </p:extLst>
   </p:cSld>
@@ -547,7 +547,7 @@
           <p:cNvPr id="2" name="竖排标题 1">
             <a:extLst>
               <a:ext uri="{FF2B5EF4-FFF2-40B4-BE49-F238E27FC236}">
-                <a16:creationId xmlns:a16="http://schemas.microsoft.com/office/drawing/2014/main" id="{1321C6CD-7E69-FF98-E946-14997DBD0306}"/>
+                <a16:creationId xmlns:a16="http://schemas.microsoft.com/office/drawing/2014/main" id="{DF6C7EEE-E1FB-E1F4-C359-69C096D28C6E}"/>
               </a:ext>
             </a:extLst>
           </p:cNvPr>
@@ -580,7 +580,7 @@
           <p:cNvPr id="3" name="竖排文字占位符 2">
             <a:extLst>
               <a:ext uri="{FF2B5EF4-FFF2-40B4-BE49-F238E27FC236}">
-                <a16:creationId xmlns:a16="http://schemas.microsoft.com/office/drawing/2014/main" id="{C118C88C-A4B1-2884-7636-6ECFAB7FF068}"/>
+                <a16:creationId xmlns:a16="http://schemas.microsoft.com/office/drawing/2014/main" id="{7DDF3F4A-903B-4CFB-FF85-DC315F868DFF}"/>
               </a:ext>
             </a:extLst>
           </p:cNvPr>
@@ -642,7 +642,7 @@
           <p:cNvPr id="4" name="日期占位符 3">
             <a:extLst>
               <a:ext uri="{FF2B5EF4-FFF2-40B4-BE49-F238E27FC236}">
-                <a16:creationId xmlns:a16="http://schemas.microsoft.com/office/drawing/2014/main" id="{E0FE4051-3DE3-51DF-E413-E8A18997CAE8}"/>
+                <a16:creationId xmlns:a16="http://schemas.microsoft.com/office/drawing/2014/main" id="{D0C94C72-9BBB-F47A-9416-F95A88BBA038}"/>
               </a:ext>
             </a:extLst>
           </p:cNvPr>
@@ -658,7 +658,7 @@
           <a:bodyPr/>
           <a:lstStyle/>
           <a:p>
-            <a:fld id="{ACCC97BF-A765-411E-A50C-6160093B84BF}" type="datetimeFigureOut">
+            <a:fld id="{6FBC94B3-DA25-4E1E-8CAD-1F0E85C51DED}" type="datetimeFigureOut">
               <a:rPr lang="zh-CN" altLang="en-US" smtClean="0"/>
               <a:t>2024/3/10</a:t>
             </a:fld>
@@ -671,7 +671,7 @@
           <p:cNvPr id="5" name="页脚占位符 4">
             <a:extLst>
               <a:ext uri="{FF2B5EF4-FFF2-40B4-BE49-F238E27FC236}">
-                <a16:creationId xmlns:a16="http://schemas.microsoft.com/office/drawing/2014/main" id="{01ECA614-AAA7-C9DC-2C86-6CBCA40B5A20}"/>
+                <a16:creationId xmlns:a16="http://schemas.microsoft.com/office/drawing/2014/main" id="{7518654A-5AC0-CDFA-8434-EDBF4864C20D}"/>
               </a:ext>
             </a:extLst>
           </p:cNvPr>
@@ -696,7 +696,7 @@
           <p:cNvPr id="6" name="灯片编号占位符 5">
             <a:extLst>
               <a:ext uri="{FF2B5EF4-FFF2-40B4-BE49-F238E27FC236}">
-                <a16:creationId xmlns:a16="http://schemas.microsoft.com/office/drawing/2014/main" id="{D19E7693-F1C1-DD9D-8DA5-F78BBBB85E00}"/>
+                <a16:creationId xmlns:a16="http://schemas.microsoft.com/office/drawing/2014/main" id="{4BAE1EDA-316A-7784-2225-D6980C028073}"/>
               </a:ext>
             </a:extLst>
           </p:cNvPr>
@@ -712,7 +712,7 @@
           <a:bodyPr/>
           <a:lstStyle/>
           <a:p>
-            <a:fld id="{AD3B75F8-8824-49F4-AF09-A15E8B46BF26}" type="slidenum">
+            <a:fld id="{A092E477-B657-4E59-92A8-14884B95130C}" type="slidenum">
               <a:rPr lang="zh-CN" altLang="en-US" smtClean="0"/>
               <a:t>‹#›</a:t>
             </a:fld>
@@ -723,7 +723,7 @@
     </p:spTree>
     <p:extLst>
       <p:ext uri="{BB962C8B-B14F-4D97-AF65-F5344CB8AC3E}">
-        <p14:creationId xmlns:p14="http://schemas.microsoft.com/office/powerpoint/2010/main" val="1498948893"/>
+        <p14:creationId xmlns:p14="http://schemas.microsoft.com/office/powerpoint/2010/main" val="1605553197"/>
       </p:ext>
     </p:extLst>
   </p:cSld>
@@ -755,7 +755,7 @@
           <p:cNvPr id="2" name="标题 1">
             <a:extLst>
               <a:ext uri="{FF2B5EF4-FFF2-40B4-BE49-F238E27FC236}">
-                <a16:creationId xmlns:a16="http://schemas.microsoft.com/office/drawing/2014/main" id="{DC3A3E7C-9BF6-FE18-FD1E-527DEFEEE892}"/>
+                <a16:creationId xmlns:a16="http://schemas.microsoft.com/office/drawing/2014/main" id="{67970580-C477-D874-C1FC-0344E0E47179}"/>
               </a:ext>
             </a:extLst>
           </p:cNvPr>
@@ -783,7 +783,7 @@
           <p:cNvPr id="3" name="内容占位符 2">
             <a:extLst>
               <a:ext uri="{FF2B5EF4-FFF2-40B4-BE49-F238E27FC236}">
-                <a16:creationId xmlns:a16="http://schemas.microsoft.com/office/drawing/2014/main" id="{CA741135-778E-9C77-6163-14B834A70A61}"/>
+                <a16:creationId xmlns:a16="http://schemas.microsoft.com/office/drawing/2014/main" id="{7FFD42E1-F30C-F76F-DD68-DE6998A2FA91}"/>
               </a:ext>
             </a:extLst>
           </p:cNvPr>
@@ -840,7 +840,7 @@
           <p:cNvPr id="4" name="日期占位符 3">
             <a:extLst>
               <a:ext uri="{FF2B5EF4-FFF2-40B4-BE49-F238E27FC236}">
-                <a16:creationId xmlns:a16="http://schemas.microsoft.com/office/drawing/2014/main" id="{01DA38CA-3048-327A-6F9C-8A83196F4195}"/>
+                <a16:creationId xmlns:a16="http://schemas.microsoft.com/office/drawing/2014/main" id="{210D5E83-F756-BA32-DC99-2C7D9EA5A1D4}"/>
               </a:ext>
             </a:extLst>
           </p:cNvPr>
@@ -856,7 +856,7 @@
           <a:bodyPr/>
           <a:lstStyle/>
           <a:p>
-            <a:fld id="{ACCC97BF-A765-411E-A50C-6160093B84BF}" type="datetimeFigureOut">
+            <a:fld id="{6FBC94B3-DA25-4E1E-8CAD-1F0E85C51DED}" type="datetimeFigureOut">
               <a:rPr lang="zh-CN" altLang="en-US" smtClean="0"/>
               <a:t>2024/3/10</a:t>
             </a:fld>
@@ -869,7 +869,7 @@
           <p:cNvPr id="5" name="页脚占位符 4">
             <a:extLst>
               <a:ext uri="{FF2B5EF4-FFF2-40B4-BE49-F238E27FC236}">
-                <a16:creationId xmlns:a16="http://schemas.microsoft.com/office/drawing/2014/main" id="{6119E13A-7603-7C2D-F308-F5A2B86ECA62}"/>
+                <a16:creationId xmlns:a16="http://schemas.microsoft.com/office/drawing/2014/main" id="{2404DB71-16E1-F162-94CA-945AE6F4197A}"/>
               </a:ext>
             </a:extLst>
           </p:cNvPr>
@@ -894,7 +894,7 @@
           <p:cNvPr id="6" name="灯片编号占位符 5">
             <a:extLst>
               <a:ext uri="{FF2B5EF4-FFF2-40B4-BE49-F238E27FC236}">
-                <a16:creationId xmlns:a16="http://schemas.microsoft.com/office/drawing/2014/main" id="{43A3C850-88C5-535C-E6EB-C970B5AF41C6}"/>
+                <a16:creationId xmlns:a16="http://schemas.microsoft.com/office/drawing/2014/main" id="{38FD2494-8715-71B8-E5CC-83EAF15C1AAB}"/>
               </a:ext>
             </a:extLst>
           </p:cNvPr>
@@ -910,7 +910,7 @@
           <a:bodyPr/>
           <a:lstStyle/>
           <a:p>
-            <a:fld id="{AD3B75F8-8824-49F4-AF09-A15E8B46BF26}" type="slidenum">
+            <a:fld id="{A092E477-B657-4E59-92A8-14884B95130C}" type="slidenum">
               <a:rPr lang="zh-CN" altLang="en-US" smtClean="0"/>
               <a:t>‹#›</a:t>
             </a:fld>
@@ -921,7 +921,7 @@
     </p:spTree>
     <p:extLst>
       <p:ext uri="{BB962C8B-B14F-4D97-AF65-F5344CB8AC3E}">
-        <p14:creationId xmlns:p14="http://schemas.microsoft.com/office/powerpoint/2010/main" val="440718320"/>
+        <p14:creationId xmlns:p14="http://schemas.microsoft.com/office/powerpoint/2010/main" val="2644065293"/>
       </p:ext>
     </p:extLst>
   </p:cSld>
@@ -953,7 +953,7 @@
           <p:cNvPr id="2" name="标题 1">
             <a:extLst>
               <a:ext uri="{FF2B5EF4-FFF2-40B4-BE49-F238E27FC236}">
-                <a16:creationId xmlns:a16="http://schemas.microsoft.com/office/drawing/2014/main" id="{21F7908D-4F3D-4748-3CB7-D2A4C009E4B5}"/>
+                <a16:creationId xmlns:a16="http://schemas.microsoft.com/office/drawing/2014/main" id="{8C7CF253-2117-F376-3A4D-438FA8D3D8C6}"/>
               </a:ext>
             </a:extLst>
           </p:cNvPr>
@@ -990,7 +990,7 @@
           <p:cNvPr id="3" name="文本占位符 2">
             <a:extLst>
               <a:ext uri="{FF2B5EF4-FFF2-40B4-BE49-F238E27FC236}">
-                <a16:creationId xmlns:a16="http://schemas.microsoft.com/office/drawing/2014/main" id="{70116CDC-1E0D-47CF-96BC-4224B892CBA0}"/>
+                <a16:creationId xmlns:a16="http://schemas.microsoft.com/office/drawing/2014/main" id="{26269B70-2FC9-4C66-262D-AB7B89A2AE47}"/>
               </a:ext>
             </a:extLst>
           </p:cNvPr>
@@ -1115,7 +1115,7 @@
           <p:cNvPr id="4" name="日期占位符 3">
             <a:extLst>
               <a:ext uri="{FF2B5EF4-FFF2-40B4-BE49-F238E27FC236}">
-                <a16:creationId xmlns:a16="http://schemas.microsoft.com/office/drawing/2014/main" id="{D38D25E0-4158-49A6-447D-1CB482BB6D47}"/>
+                <a16:creationId xmlns:a16="http://schemas.microsoft.com/office/drawing/2014/main" id="{8CA4D346-7D5A-4088-CC96-FFE447784AF0}"/>
               </a:ext>
             </a:extLst>
           </p:cNvPr>
@@ -1131,7 +1131,7 @@
           <a:bodyPr/>
           <a:lstStyle/>
           <a:p>
-            <a:fld id="{ACCC97BF-A765-411E-A50C-6160093B84BF}" type="datetimeFigureOut">
+            <a:fld id="{6FBC94B3-DA25-4E1E-8CAD-1F0E85C51DED}" type="datetimeFigureOut">
               <a:rPr lang="zh-CN" altLang="en-US" smtClean="0"/>
               <a:t>2024/3/10</a:t>
             </a:fld>
@@ -1144,7 +1144,7 @@
           <p:cNvPr id="5" name="页脚占位符 4">
             <a:extLst>
               <a:ext uri="{FF2B5EF4-FFF2-40B4-BE49-F238E27FC236}">
-                <a16:creationId xmlns:a16="http://schemas.microsoft.com/office/drawing/2014/main" id="{1674D5C6-6711-074E-BBA4-042EC26DBA54}"/>
+                <a16:creationId xmlns:a16="http://schemas.microsoft.com/office/drawing/2014/main" id="{62831C0D-0729-EDD5-820D-FAD259C3C729}"/>
               </a:ext>
             </a:extLst>
           </p:cNvPr>
@@ -1169,7 +1169,7 @@
           <p:cNvPr id="6" name="灯片编号占位符 5">
             <a:extLst>
               <a:ext uri="{FF2B5EF4-FFF2-40B4-BE49-F238E27FC236}">
-                <a16:creationId xmlns:a16="http://schemas.microsoft.com/office/drawing/2014/main" id="{D33172CA-B8DF-A069-3E6A-7F5FD6E8ECB4}"/>
+                <a16:creationId xmlns:a16="http://schemas.microsoft.com/office/drawing/2014/main" id="{57E99644-E2F5-7B76-39F8-330617817A6C}"/>
               </a:ext>
             </a:extLst>
           </p:cNvPr>
@@ -1185,7 +1185,7 @@
           <a:bodyPr/>
           <a:lstStyle/>
           <a:p>
-            <a:fld id="{AD3B75F8-8824-49F4-AF09-A15E8B46BF26}" type="slidenum">
+            <a:fld id="{A092E477-B657-4E59-92A8-14884B95130C}" type="slidenum">
               <a:rPr lang="zh-CN" altLang="en-US" smtClean="0"/>
               <a:t>‹#›</a:t>
             </a:fld>
@@ -1196,7 +1196,7 @@
     </p:spTree>
     <p:extLst>
       <p:ext uri="{BB962C8B-B14F-4D97-AF65-F5344CB8AC3E}">
-        <p14:creationId xmlns:p14="http://schemas.microsoft.com/office/powerpoint/2010/main" val="2035232088"/>
+        <p14:creationId xmlns:p14="http://schemas.microsoft.com/office/powerpoint/2010/main" val="1670563596"/>
       </p:ext>
     </p:extLst>
   </p:cSld>
@@ -1228,7 +1228,7 @@
           <p:cNvPr id="2" name="标题 1">
             <a:extLst>
               <a:ext uri="{FF2B5EF4-FFF2-40B4-BE49-F238E27FC236}">
-                <a16:creationId xmlns:a16="http://schemas.microsoft.com/office/drawing/2014/main" id="{6ED1D5A0-2179-AA67-3017-DCD79B998348}"/>
+                <a16:creationId xmlns:a16="http://schemas.microsoft.com/office/drawing/2014/main" id="{0B7AD954-1430-54CD-5D67-79D3416A759B}"/>
               </a:ext>
             </a:extLst>
           </p:cNvPr>
@@ -1256,7 +1256,7 @@
           <p:cNvPr id="3" name="内容占位符 2">
             <a:extLst>
               <a:ext uri="{FF2B5EF4-FFF2-40B4-BE49-F238E27FC236}">
-                <a16:creationId xmlns:a16="http://schemas.microsoft.com/office/drawing/2014/main" id="{0CE21642-0B56-15E8-B4B1-E16D612AA0C3}"/>
+                <a16:creationId xmlns:a16="http://schemas.microsoft.com/office/drawing/2014/main" id="{83D87296-FA7D-DA65-36D4-8E20261C0D05}"/>
               </a:ext>
             </a:extLst>
           </p:cNvPr>
@@ -1318,7 +1318,7 @@
           <p:cNvPr id="4" name="内容占位符 3">
             <a:extLst>
               <a:ext uri="{FF2B5EF4-FFF2-40B4-BE49-F238E27FC236}">
-                <a16:creationId xmlns:a16="http://schemas.microsoft.com/office/drawing/2014/main" id="{F87D6858-A4AA-2C5E-2CC8-1FB19662C3BA}"/>
+                <a16:creationId xmlns:a16="http://schemas.microsoft.com/office/drawing/2014/main" id="{9BF4B31D-4577-271D-9BF8-70AD9BF48B02}"/>
               </a:ext>
             </a:extLst>
           </p:cNvPr>
@@ -1380,7 +1380,7 @@
           <p:cNvPr id="5" name="日期占位符 4">
             <a:extLst>
               <a:ext uri="{FF2B5EF4-FFF2-40B4-BE49-F238E27FC236}">
-                <a16:creationId xmlns:a16="http://schemas.microsoft.com/office/drawing/2014/main" id="{31922F76-ABBD-5781-872B-B8186800366E}"/>
+                <a16:creationId xmlns:a16="http://schemas.microsoft.com/office/drawing/2014/main" id="{E0BC3940-4B3B-3584-B726-ABB940FCC55B}"/>
               </a:ext>
             </a:extLst>
           </p:cNvPr>
@@ -1396,7 +1396,7 @@
           <a:bodyPr/>
           <a:lstStyle/>
           <a:p>
-            <a:fld id="{ACCC97BF-A765-411E-A50C-6160093B84BF}" type="datetimeFigureOut">
+            <a:fld id="{6FBC94B3-DA25-4E1E-8CAD-1F0E85C51DED}" type="datetimeFigureOut">
               <a:rPr lang="zh-CN" altLang="en-US" smtClean="0"/>
               <a:t>2024/3/10</a:t>
             </a:fld>
@@ -1409,7 +1409,7 @@
           <p:cNvPr id="6" name="页脚占位符 5">
             <a:extLst>
               <a:ext uri="{FF2B5EF4-FFF2-40B4-BE49-F238E27FC236}">
-                <a16:creationId xmlns:a16="http://schemas.microsoft.com/office/drawing/2014/main" id="{D2912ADC-F064-0F82-6C3C-420A7C6AF079}"/>
+                <a16:creationId xmlns:a16="http://schemas.microsoft.com/office/drawing/2014/main" id="{D39039D0-8715-DACD-48E7-07450D1AAB13}"/>
               </a:ext>
             </a:extLst>
           </p:cNvPr>
@@ -1434,7 +1434,7 @@
           <p:cNvPr id="7" name="灯片编号占位符 6">
             <a:extLst>
               <a:ext uri="{FF2B5EF4-FFF2-40B4-BE49-F238E27FC236}">
-                <a16:creationId xmlns:a16="http://schemas.microsoft.com/office/drawing/2014/main" id="{44D49A5C-1389-2F38-CE5A-EF9AA05FDBAD}"/>
+                <a16:creationId xmlns:a16="http://schemas.microsoft.com/office/drawing/2014/main" id="{9418FD50-BAF7-E4BF-6917-D304624284FA}"/>
               </a:ext>
             </a:extLst>
           </p:cNvPr>
@@ -1450,7 +1450,7 @@
           <a:bodyPr/>
           <a:lstStyle/>
           <a:p>
-            <a:fld id="{AD3B75F8-8824-49F4-AF09-A15E8B46BF26}" type="slidenum">
+            <a:fld id="{A092E477-B657-4E59-92A8-14884B95130C}" type="slidenum">
               <a:rPr lang="zh-CN" altLang="en-US" smtClean="0"/>
               <a:t>‹#›</a:t>
             </a:fld>
@@ -1461,7 +1461,7 @@
     </p:spTree>
     <p:extLst>
       <p:ext uri="{BB962C8B-B14F-4D97-AF65-F5344CB8AC3E}">
-        <p14:creationId xmlns:p14="http://schemas.microsoft.com/office/powerpoint/2010/main" val="1556300619"/>
+        <p14:creationId xmlns:p14="http://schemas.microsoft.com/office/powerpoint/2010/main" val="749567742"/>
       </p:ext>
     </p:extLst>
   </p:cSld>
@@ -1493,7 +1493,7 @@
           <p:cNvPr id="2" name="标题 1">
             <a:extLst>
               <a:ext uri="{FF2B5EF4-FFF2-40B4-BE49-F238E27FC236}">
-                <a16:creationId xmlns:a16="http://schemas.microsoft.com/office/drawing/2014/main" id="{E2550078-5055-AC2E-C3A7-AFC47BFC5855}"/>
+                <a16:creationId xmlns:a16="http://schemas.microsoft.com/office/drawing/2014/main" id="{4AB19BB1-39C0-F7A5-C6C4-352CFE037336}"/>
               </a:ext>
             </a:extLst>
           </p:cNvPr>
@@ -1526,7 +1526,7 @@
           <p:cNvPr id="3" name="文本占位符 2">
             <a:extLst>
               <a:ext uri="{FF2B5EF4-FFF2-40B4-BE49-F238E27FC236}">
-                <a16:creationId xmlns:a16="http://schemas.microsoft.com/office/drawing/2014/main" id="{CF6B5E3E-9468-706B-EBB6-CABEA156C1BA}"/>
+                <a16:creationId xmlns:a16="http://schemas.microsoft.com/office/drawing/2014/main" id="{43DFC3C5-B2A5-9940-9AE2-216E8D5B08AA}"/>
               </a:ext>
             </a:extLst>
           </p:cNvPr>
@@ -1597,7 +1597,7 @@
           <p:cNvPr id="4" name="内容占位符 3">
             <a:extLst>
               <a:ext uri="{FF2B5EF4-FFF2-40B4-BE49-F238E27FC236}">
-                <a16:creationId xmlns:a16="http://schemas.microsoft.com/office/drawing/2014/main" id="{7B78F822-1EE0-E308-4C96-23F1D84AC060}"/>
+                <a16:creationId xmlns:a16="http://schemas.microsoft.com/office/drawing/2014/main" id="{38BBD0CD-CABE-CA15-8E3E-C73A4030CB9A}"/>
               </a:ext>
             </a:extLst>
           </p:cNvPr>
@@ -1659,7 +1659,7 @@
           <p:cNvPr id="5" name="文本占位符 4">
             <a:extLst>
               <a:ext uri="{FF2B5EF4-FFF2-40B4-BE49-F238E27FC236}">
-                <a16:creationId xmlns:a16="http://schemas.microsoft.com/office/drawing/2014/main" id="{BFFE4D11-E14D-A706-A4DC-0EAD702B966A}"/>
+                <a16:creationId xmlns:a16="http://schemas.microsoft.com/office/drawing/2014/main" id="{BE297365-7CD8-C37C-8909-7181B9909D65}"/>
               </a:ext>
             </a:extLst>
           </p:cNvPr>
@@ -1730,7 +1730,7 @@
           <p:cNvPr id="6" name="内容占位符 5">
             <a:extLst>
               <a:ext uri="{FF2B5EF4-FFF2-40B4-BE49-F238E27FC236}">
-                <a16:creationId xmlns:a16="http://schemas.microsoft.com/office/drawing/2014/main" id="{04D1112B-57D8-9290-3E27-A686AD34E2E4}"/>
+                <a16:creationId xmlns:a16="http://schemas.microsoft.com/office/drawing/2014/main" id="{477D7CD8-EBA7-B3FA-AD32-2F0E5693E643}"/>
               </a:ext>
             </a:extLst>
           </p:cNvPr>
@@ -1792,7 +1792,7 @@
           <p:cNvPr id="7" name="日期占位符 6">
             <a:extLst>
               <a:ext uri="{FF2B5EF4-FFF2-40B4-BE49-F238E27FC236}">
-                <a16:creationId xmlns:a16="http://schemas.microsoft.com/office/drawing/2014/main" id="{4C1503AA-FA1D-5E9F-3D57-88F8645F7BF4}"/>
+                <a16:creationId xmlns:a16="http://schemas.microsoft.com/office/drawing/2014/main" id="{F8A9F723-A11B-D46D-5452-B7CC45D40A25}"/>
               </a:ext>
             </a:extLst>
           </p:cNvPr>
@@ -1808,7 +1808,7 @@
           <a:bodyPr/>
           <a:lstStyle/>
           <a:p>
-            <a:fld id="{ACCC97BF-A765-411E-A50C-6160093B84BF}" type="datetimeFigureOut">
+            <a:fld id="{6FBC94B3-DA25-4E1E-8CAD-1F0E85C51DED}" type="datetimeFigureOut">
               <a:rPr lang="zh-CN" altLang="en-US" smtClean="0"/>
               <a:t>2024/3/10</a:t>
             </a:fld>
@@ -1821,7 +1821,7 @@
           <p:cNvPr id="8" name="页脚占位符 7">
             <a:extLst>
               <a:ext uri="{FF2B5EF4-FFF2-40B4-BE49-F238E27FC236}">
-                <a16:creationId xmlns:a16="http://schemas.microsoft.com/office/drawing/2014/main" id="{E476ED8B-6EE2-D543-076E-B9A218F1A1FE}"/>
+                <a16:creationId xmlns:a16="http://schemas.microsoft.com/office/drawing/2014/main" id="{0178F128-D7F9-98D6-190E-805D791A0C38}"/>
               </a:ext>
             </a:extLst>
           </p:cNvPr>
@@ -1846,7 +1846,7 @@
           <p:cNvPr id="9" name="灯片编号占位符 8">
             <a:extLst>
               <a:ext uri="{FF2B5EF4-FFF2-40B4-BE49-F238E27FC236}">
-                <a16:creationId xmlns:a16="http://schemas.microsoft.com/office/drawing/2014/main" id="{7CD30312-4734-3661-F8CE-661F71C721ED}"/>
+                <a16:creationId xmlns:a16="http://schemas.microsoft.com/office/drawing/2014/main" id="{C9DAC5A7-3202-6F0A-38B9-595A73633577}"/>
               </a:ext>
             </a:extLst>
           </p:cNvPr>
@@ -1862,7 +1862,7 @@
           <a:bodyPr/>
           <a:lstStyle/>
           <a:p>
-            <a:fld id="{AD3B75F8-8824-49F4-AF09-A15E8B46BF26}" type="slidenum">
+            <a:fld id="{A092E477-B657-4E59-92A8-14884B95130C}" type="slidenum">
               <a:rPr lang="zh-CN" altLang="en-US" smtClean="0"/>
               <a:t>‹#›</a:t>
             </a:fld>
@@ -1873,7 +1873,7 @@
     </p:spTree>
     <p:extLst>
       <p:ext uri="{BB962C8B-B14F-4D97-AF65-F5344CB8AC3E}">
-        <p14:creationId xmlns:p14="http://schemas.microsoft.com/office/powerpoint/2010/main" val="4170939545"/>
+        <p14:creationId xmlns:p14="http://schemas.microsoft.com/office/powerpoint/2010/main" val="1493327066"/>
       </p:ext>
     </p:extLst>
   </p:cSld>
@@ -1905,7 +1905,7 @@
           <p:cNvPr id="2" name="标题 1">
             <a:extLst>
               <a:ext uri="{FF2B5EF4-FFF2-40B4-BE49-F238E27FC236}">
-                <a16:creationId xmlns:a16="http://schemas.microsoft.com/office/drawing/2014/main" id="{85EDD86B-C660-335A-ADD7-2278E6452ACC}"/>
+                <a16:creationId xmlns:a16="http://schemas.microsoft.com/office/drawing/2014/main" id="{D6863D6C-B6FE-204D-BA4D-B7BE35E44398}"/>
               </a:ext>
             </a:extLst>
           </p:cNvPr>
@@ -1933,7 +1933,7 @@
           <p:cNvPr id="3" name="日期占位符 2">
             <a:extLst>
               <a:ext uri="{FF2B5EF4-FFF2-40B4-BE49-F238E27FC236}">
-                <a16:creationId xmlns:a16="http://schemas.microsoft.com/office/drawing/2014/main" id="{8A5846F2-8E4C-38B2-E884-A5FF91089829}"/>
+                <a16:creationId xmlns:a16="http://schemas.microsoft.com/office/drawing/2014/main" id="{40FCB200-B07D-7E6D-2552-D59A58D8A892}"/>
               </a:ext>
             </a:extLst>
           </p:cNvPr>
@@ -1949,7 +1949,7 @@
           <a:bodyPr/>
           <a:lstStyle/>
           <a:p>
-            <a:fld id="{ACCC97BF-A765-411E-A50C-6160093B84BF}" type="datetimeFigureOut">
+            <a:fld id="{6FBC94B3-DA25-4E1E-8CAD-1F0E85C51DED}" type="datetimeFigureOut">
               <a:rPr lang="zh-CN" altLang="en-US" smtClean="0"/>
               <a:t>2024/3/10</a:t>
             </a:fld>
@@ -1962,7 +1962,7 @@
           <p:cNvPr id="4" name="页脚占位符 3">
             <a:extLst>
               <a:ext uri="{FF2B5EF4-FFF2-40B4-BE49-F238E27FC236}">
-                <a16:creationId xmlns:a16="http://schemas.microsoft.com/office/drawing/2014/main" id="{4AA803D9-7AC8-F0CF-4037-52613F202D44}"/>
+                <a16:creationId xmlns:a16="http://schemas.microsoft.com/office/drawing/2014/main" id="{D527DE4A-9440-FF93-66B3-48797221E952}"/>
               </a:ext>
             </a:extLst>
           </p:cNvPr>
@@ -1987,7 +1987,7 @@
           <p:cNvPr id="5" name="灯片编号占位符 4">
             <a:extLst>
               <a:ext uri="{FF2B5EF4-FFF2-40B4-BE49-F238E27FC236}">
-                <a16:creationId xmlns:a16="http://schemas.microsoft.com/office/drawing/2014/main" id="{DDC9B893-951E-F15D-9473-EEAD5FAD15F5}"/>
+                <a16:creationId xmlns:a16="http://schemas.microsoft.com/office/drawing/2014/main" id="{77EB756A-5508-015F-4203-898825F96526}"/>
               </a:ext>
             </a:extLst>
           </p:cNvPr>
@@ -2003,7 +2003,7 @@
           <a:bodyPr/>
           <a:lstStyle/>
           <a:p>
-            <a:fld id="{AD3B75F8-8824-49F4-AF09-A15E8B46BF26}" type="slidenum">
+            <a:fld id="{A092E477-B657-4E59-92A8-14884B95130C}" type="slidenum">
               <a:rPr lang="zh-CN" altLang="en-US" smtClean="0"/>
               <a:t>‹#›</a:t>
             </a:fld>
@@ -2014,7 +2014,7 @@
     </p:spTree>
     <p:extLst>
       <p:ext uri="{BB962C8B-B14F-4D97-AF65-F5344CB8AC3E}">
-        <p14:creationId xmlns:p14="http://schemas.microsoft.com/office/powerpoint/2010/main" val="2502177730"/>
+        <p14:creationId xmlns:p14="http://schemas.microsoft.com/office/powerpoint/2010/main" val="1747333789"/>
       </p:ext>
     </p:extLst>
   </p:cSld>
@@ -2046,7 +2046,7 @@
           <p:cNvPr id="2" name="日期占位符 1">
             <a:extLst>
               <a:ext uri="{FF2B5EF4-FFF2-40B4-BE49-F238E27FC236}">
-                <a16:creationId xmlns:a16="http://schemas.microsoft.com/office/drawing/2014/main" id="{2FBC37B7-5E44-4380-1E52-B2417A6FEA02}"/>
+                <a16:creationId xmlns:a16="http://schemas.microsoft.com/office/drawing/2014/main" id="{6592AA51-0E08-C677-00FE-0E7A659DE839}"/>
               </a:ext>
             </a:extLst>
           </p:cNvPr>
@@ -2062,7 +2062,7 @@
           <a:bodyPr/>
           <a:lstStyle/>
           <a:p>
-            <a:fld id="{ACCC97BF-A765-411E-A50C-6160093B84BF}" type="datetimeFigureOut">
+            <a:fld id="{6FBC94B3-DA25-4E1E-8CAD-1F0E85C51DED}" type="datetimeFigureOut">
               <a:rPr lang="zh-CN" altLang="en-US" smtClean="0"/>
               <a:t>2024/3/10</a:t>
             </a:fld>
@@ -2075,7 +2075,7 @@
           <p:cNvPr id="3" name="页脚占位符 2">
             <a:extLst>
               <a:ext uri="{FF2B5EF4-FFF2-40B4-BE49-F238E27FC236}">
-                <a16:creationId xmlns:a16="http://schemas.microsoft.com/office/drawing/2014/main" id="{3E61BF8F-39A4-4254-BA28-CD4D09861317}"/>
+                <a16:creationId xmlns:a16="http://schemas.microsoft.com/office/drawing/2014/main" id="{B9E22C71-CA2E-6073-495E-836668143C8E}"/>
               </a:ext>
             </a:extLst>
           </p:cNvPr>
@@ -2100,7 +2100,7 @@
           <p:cNvPr id="4" name="灯片编号占位符 3">
             <a:extLst>
               <a:ext uri="{FF2B5EF4-FFF2-40B4-BE49-F238E27FC236}">
-                <a16:creationId xmlns:a16="http://schemas.microsoft.com/office/drawing/2014/main" id="{B953B505-26D0-F854-8EC8-42085698A550}"/>
+                <a16:creationId xmlns:a16="http://schemas.microsoft.com/office/drawing/2014/main" id="{627E5E87-36F3-8117-6EA9-EAD0F5EA0FC7}"/>
               </a:ext>
             </a:extLst>
           </p:cNvPr>
@@ -2116,7 +2116,7 @@
           <a:bodyPr/>
           <a:lstStyle/>
           <a:p>
-            <a:fld id="{AD3B75F8-8824-49F4-AF09-A15E8B46BF26}" type="slidenum">
+            <a:fld id="{A092E477-B657-4E59-92A8-14884B95130C}" type="slidenum">
               <a:rPr lang="zh-CN" altLang="en-US" smtClean="0"/>
               <a:t>‹#›</a:t>
             </a:fld>
@@ -2127,7 +2127,7 @@
     </p:spTree>
     <p:extLst>
       <p:ext uri="{BB962C8B-B14F-4D97-AF65-F5344CB8AC3E}">
-        <p14:creationId xmlns:p14="http://schemas.microsoft.com/office/powerpoint/2010/main" val="1654572582"/>
+        <p14:creationId xmlns:p14="http://schemas.microsoft.com/office/powerpoint/2010/main" val="310014907"/>
       </p:ext>
     </p:extLst>
   </p:cSld>
@@ -2159,7 +2159,7 @@
           <p:cNvPr id="2" name="标题 1">
             <a:extLst>
               <a:ext uri="{FF2B5EF4-FFF2-40B4-BE49-F238E27FC236}">
-                <a16:creationId xmlns:a16="http://schemas.microsoft.com/office/drawing/2014/main" id="{57C4C65B-E9B9-B877-D2D1-C0242DBA98E7}"/>
+                <a16:creationId xmlns:a16="http://schemas.microsoft.com/office/drawing/2014/main" id="{8F9D0A5A-2419-2961-4224-CA2A58861E63}"/>
               </a:ext>
             </a:extLst>
           </p:cNvPr>
@@ -2196,7 +2196,7 @@
           <p:cNvPr id="3" name="内容占位符 2">
             <a:extLst>
               <a:ext uri="{FF2B5EF4-FFF2-40B4-BE49-F238E27FC236}">
-                <a16:creationId xmlns:a16="http://schemas.microsoft.com/office/drawing/2014/main" id="{E61D87C2-C3EC-6351-1A21-ABB0110221E7}"/>
+                <a16:creationId xmlns:a16="http://schemas.microsoft.com/office/drawing/2014/main" id="{ED9707A3-51D2-EDDD-6F44-4CD46C750535}"/>
               </a:ext>
             </a:extLst>
           </p:cNvPr>
@@ -2286,7 +2286,7 @@
           <p:cNvPr id="4" name="文本占位符 3">
             <a:extLst>
               <a:ext uri="{FF2B5EF4-FFF2-40B4-BE49-F238E27FC236}">
-                <a16:creationId xmlns:a16="http://schemas.microsoft.com/office/drawing/2014/main" id="{DE763A84-0FDD-2869-176D-68F3A76CF696}"/>
+                <a16:creationId xmlns:a16="http://schemas.microsoft.com/office/drawing/2014/main" id="{F536C54E-E193-3FA8-BEE6-17177ABA23D1}"/>
               </a:ext>
             </a:extLst>
           </p:cNvPr>
@@ -2357,7 +2357,7 @@
           <p:cNvPr id="5" name="日期占位符 4">
             <a:extLst>
               <a:ext uri="{FF2B5EF4-FFF2-40B4-BE49-F238E27FC236}">
-                <a16:creationId xmlns:a16="http://schemas.microsoft.com/office/drawing/2014/main" id="{62D16F4C-14CC-8068-355C-FC623BBB9172}"/>
+                <a16:creationId xmlns:a16="http://schemas.microsoft.com/office/drawing/2014/main" id="{53CD49CD-8A1F-8FCE-4B3F-BC1D3469584B}"/>
               </a:ext>
             </a:extLst>
           </p:cNvPr>
@@ -2373,7 +2373,7 @@
           <a:bodyPr/>
           <a:lstStyle/>
           <a:p>
-            <a:fld id="{ACCC97BF-A765-411E-A50C-6160093B84BF}" type="datetimeFigureOut">
+            <a:fld id="{6FBC94B3-DA25-4E1E-8CAD-1F0E85C51DED}" type="datetimeFigureOut">
               <a:rPr lang="zh-CN" altLang="en-US" smtClean="0"/>
               <a:t>2024/3/10</a:t>
             </a:fld>
@@ -2386,7 +2386,7 @@
           <p:cNvPr id="6" name="页脚占位符 5">
             <a:extLst>
               <a:ext uri="{FF2B5EF4-FFF2-40B4-BE49-F238E27FC236}">
-                <a16:creationId xmlns:a16="http://schemas.microsoft.com/office/drawing/2014/main" id="{694C5A48-0999-5D16-8CF2-BEE31C6D8C97}"/>
+                <a16:creationId xmlns:a16="http://schemas.microsoft.com/office/drawing/2014/main" id="{0229FA04-3DB0-A42B-C0DC-CAC9CA250144}"/>
               </a:ext>
             </a:extLst>
           </p:cNvPr>
@@ -2411,7 +2411,7 @@
           <p:cNvPr id="7" name="灯片编号占位符 6">
             <a:extLst>
               <a:ext uri="{FF2B5EF4-FFF2-40B4-BE49-F238E27FC236}">
-                <a16:creationId xmlns:a16="http://schemas.microsoft.com/office/drawing/2014/main" id="{8830E754-C772-A4C8-4155-1264AFEE5690}"/>
+                <a16:creationId xmlns:a16="http://schemas.microsoft.com/office/drawing/2014/main" id="{B254AAC6-B8FC-367A-052D-A3F3AAA9D58C}"/>
               </a:ext>
             </a:extLst>
           </p:cNvPr>
@@ -2427,7 +2427,7 @@
           <a:bodyPr/>
           <a:lstStyle/>
           <a:p>
-            <a:fld id="{AD3B75F8-8824-49F4-AF09-A15E8B46BF26}" type="slidenum">
+            <a:fld id="{A092E477-B657-4E59-92A8-14884B95130C}" type="slidenum">
               <a:rPr lang="zh-CN" altLang="en-US" smtClean="0"/>
               <a:t>‹#›</a:t>
             </a:fld>
@@ -2438,7 +2438,7 @@
     </p:spTree>
     <p:extLst>
       <p:ext uri="{BB962C8B-B14F-4D97-AF65-F5344CB8AC3E}">
-        <p14:creationId xmlns:p14="http://schemas.microsoft.com/office/powerpoint/2010/main" val="545668930"/>
+        <p14:creationId xmlns:p14="http://schemas.microsoft.com/office/powerpoint/2010/main" val="2569453653"/>
       </p:ext>
     </p:extLst>
   </p:cSld>
@@ -2470,7 +2470,7 @@
           <p:cNvPr id="2" name="标题 1">
             <a:extLst>
               <a:ext uri="{FF2B5EF4-FFF2-40B4-BE49-F238E27FC236}">
-                <a16:creationId xmlns:a16="http://schemas.microsoft.com/office/drawing/2014/main" id="{8D582706-8D20-518F-CBB4-B7D28FDDF36A}"/>
+                <a16:creationId xmlns:a16="http://schemas.microsoft.com/office/drawing/2014/main" id="{053F6FBE-5333-D84E-6AF4-352BDB53D8E3}"/>
               </a:ext>
             </a:extLst>
           </p:cNvPr>
@@ -2507,7 +2507,7 @@
           <p:cNvPr id="3" name="图片占位符 2">
             <a:extLst>
               <a:ext uri="{FF2B5EF4-FFF2-40B4-BE49-F238E27FC236}">
-                <a16:creationId xmlns:a16="http://schemas.microsoft.com/office/drawing/2014/main" id="{9A8530CA-919C-51F4-4C09-87E7F2530728}"/>
+                <a16:creationId xmlns:a16="http://schemas.microsoft.com/office/drawing/2014/main" id="{4D64687F-E878-04E1-264F-7F66A7B2481B}"/>
               </a:ext>
             </a:extLst>
           </p:cNvPr>
@@ -2574,7 +2574,7 @@
           <p:cNvPr id="4" name="文本占位符 3">
             <a:extLst>
               <a:ext uri="{FF2B5EF4-FFF2-40B4-BE49-F238E27FC236}">
-                <a16:creationId xmlns:a16="http://schemas.microsoft.com/office/drawing/2014/main" id="{1B7B1B58-9CC2-08AA-FFE8-677333CB1C48}"/>
+                <a16:creationId xmlns:a16="http://schemas.microsoft.com/office/drawing/2014/main" id="{3BCB338E-C427-6A05-26AB-E25C4D15046F}"/>
               </a:ext>
             </a:extLst>
           </p:cNvPr>
@@ -2645,7 +2645,7 @@
           <p:cNvPr id="5" name="日期占位符 4">
             <a:extLst>
               <a:ext uri="{FF2B5EF4-FFF2-40B4-BE49-F238E27FC236}">
-                <a16:creationId xmlns:a16="http://schemas.microsoft.com/office/drawing/2014/main" id="{E0E532E1-B842-1AD2-DD01-57A5A9E194C0}"/>
+                <a16:creationId xmlns:a16="http://schemas.microsoft.com/office/drawing/2014/main" id="{33EA33F6-AD9A-B134-7A5A-25A2217516CB}"/>
               </a:ext>
             </a:extLst>
           </p:cNvPr>
@@ -2661,7 +2661,7 @@
           <a:bodyPr/>
           <a:lstStyle/>
           <a:p>
-            <a:fld id="{ACCC97BF-A765-411E-A50C-6160093B84BF}" type="datetimeFigureOut">
+            <a:fld id="{6FBC94B3-DA25-4E1E-8CAD-1F0E85C51DED}" type="datetimeFigureOut">
               <a:rPr lang="zh-CN" altLang="en-US" smtClean="0"/>
               <a:t>2024/3/10</a:t>
             </a:fld>
@@ -2674,7 +2674,7 @@
           <p:cNvPr id="6" name="页脚占位符 5">
             <a:extLst>
               <a:ext uri="{FF2B5EF4-FFF2-40B4-BE49-F238E27FC236}">
-                <a16:creationId xmlns:a16="http://schemas.microsoft.com/office/drawing/2014/main" id="{25357329-4789-E1F3-58B7-B4D2537528A7}"/>
+                <a16:creationId xmlns:a16="http://schemas.microsoft.com/office/drawing/2014/main" id="{D557CFD6-4DF2-4E0D-2137-8DF47D986691}"/>
               </a:ext>
             </a:extLst>
           </p:cNvPr>
@@ -2699,7 +2699,7 @@
           <p:cNvPr id="7" name="灯片编号占位符 6">
             <a:extLst>
               <a:ext uri="{FF2B5EF4-FFF2-40B4-BE49-F238E27FC236}">
-                <a16:creationId xmlns:a16="http://schemas.microsoft.com/office/drawing/2014/main" id="{3DBE17BD-5730-A439-8D76-71D2EB6CB5BB}"/>
+                <a16:creationId xmlns:a16="http://schemas.microsoft.com/office/drawing/2014/main" id="{D6F4E947-AD36-145B-94C1-194CBD510A5A}"/>
               </a:ext>
             </a:extLst>
           </p:cNvPr>
@@ -2715,7 +2715,7 @@
           <a:bodyPr/>
           <a:lstStyle/>
           <a:p>
-            <a:fld id="{AD3B75F8-8824-49F4-AF09-A15E8B46BF26}" type="slidenum">
+            <a:fld id="{A092E477-B657-4E59-92A8-14884B95130C}" type="slidenum">
               <a:rPr lang="zh-CN" altLang="en-US" smtClean="0"/>
               <a:t>‹#›</a:t>
             </a:fld>
@@ -2726,7 +2726,7 @@
     </p:spTree>
     <p:extLst>
       <p:ext uri="{BB962C8B-B14F-4D97-AF65-F5344CB8AC3E}">
-        <p14:creationId xmlns:p14="http://schemas.microsoft.com/office/powerpoint/2010/main" val="3545356317"/>
+        <p14:creationId xmlns:p14="http://schemas.microsoft.com/office/powerpoint/2010/main" val="3035189950"/>
       </p:ext>
     </p:extLst>
   </p:cSld>
@@ -2763,7 +2763,7 @@
           <p:cNvPr id="2" name="标题占位符 1">
             <a:extLst>
               <a:ext uri="{FF2B5EF4-FFF2-40B4-BE49-F238E27FC236}">
-                <a16:creationId xmlns:a16="http://schemas.microsoft.com/office/drawing/2014/main" id="{6F196ADD-BB26-2291-6F04-3D1FB8A4CBDC}"/>
+                <a16:creationId xmlns:a16="http://schemas.microsoft.com/office/drawing/2014/main" id="{41B15952-383B-6740-BD5E-8714E66D35D6}"/>
               </a:ext>
             </a:extLst>
           </p:cNvPr>
@@ -2801,7 +2801,7 @@
           <p:cNvPr id="3" name="文本占位符 2">
             <a:extLst>
               <a:ext uri="{FF2B5EF4-FFF2-40B4-BE49-F238E27FC236}">
-                <a16:creationId xmlns:a16="http://schemas.microsoft.com/office/drawing/2014/main" id="{C6FBBCBD-C0CD-FFC8-B2D4-271A96023FF2}"/>
+                <a16:creationId xmlns:a16="http://schemas.microsoft.com/office/drawing/2014/main" id="{730F8CA3-47C2-7C6F-002A-7F5A1DD41BF0}"/>
               </a:ext>
             </a:extLst>
           </p:cNvPr>
@@ -2868,7 +2868,7 @@
           <p:cNvPr id="4" name="日期占位符 3">
             <a:extLst>
               <a:ext uri="{FF2B5EF4-FFF2-40B4-BE49-F238E27FC236}">
-                <a16:creationId xmlns:a16="http://schemas.microsoft.com/office/drawing/2014/main" id="{19E04924-620E-E6A4-BEA3-24C03DFDEE6E}"/>
+                <a16:creationId xmlns:a16="http://schemas.microsoft.com/office/drawing/2014/main" id="{177F34B7-9BCA-9C6A-0459-1028F5901D1D}"/>
               </a:ext>
             </a:extLst>
           </p:cNvPr>
@@ -2902,7 +2902,7 @@
             </a:lvl1pPr>
           </a:lstStyle>
           <a:p>
-            <a:fld id="{ACCC97BF-A765-411E-A50C-6160093B84BF}" type="datetimeFigureOut">
+            <a:fld id="{6FBC94B3-DA25-4E1E-8CAD-1F0E85C51DED}" type="datetimeFigureOut">
               <a:rPr lang="zh-CN" altLang="en-US" smtClean="0"/>
               <a:t>2024/3/10</a:t>
             </a:fld>
@@ -2915,7 +2915,7 @@
           <p:cNvPr id="5" name="页脚占位符 4">
             <a:extLst>
               <a:ext uri="{FF2B5EF4-FFF2-40B4-BE49-F238E27FC236}">
-                <a16:creationId xmlns:a16="http://schemas.microsoft.com/office/drawing/2014/main" id="{8B322E34-955B-30EC-076B-B5A3F249335D}"/>
+                <a16:creationId xmlns:a16="http://schemas.microsoft.com/office/drawing/2014/main" id="{8C036873-F264-F802-EF9E-CA42686B9F35}"/>
               </a:ext>
             </a:extLst>
           </p:cNvPr>
@@ -2958,7 +2958,7 @@
           <p:cNvPr id="6" name="灯片编号占位符 5">
             <a:extLst>
               <a:ext uri="{FF2B5EF4-FFF2-40B4-BE49-F238E27FC236}">
-                <a16:creationId xmlns:a16="http://schemas.microsoft.com/office/drawing/2014/main" id="{ABAD222F-C4DA-4A9C-26DF-4BEAC4C88B0F}"/>
+                <a16:creationId xmlns:a16="http://schemas.microsoft.com/office/drawing/2014/main" id="{205742C4-50EC-FBC4-511C-410A8195813D}"/>
               </a:ext>
             </a:extLst>
           </p:cNvPr>
@@ -2992,7 +2992,7 @@
             </a:lvl1pPr>
           </a:lstStyle>
           <a:p>
-            <a:fld id="{AD3B75F8-8824-49F4-AF09-A15E8B46BF26}" type="slidenum">
+            <a:fld id="{A092E477-B657-4E59-92A8-14884B95130C}" type="slidenum">
               <a:rPr lang="zh-CN" altLang="en-US" smtClean="0"/>
               <a:t>‹#›</a:t>
             </a:fld>
@@ -3003,7 +3003,7 @@
     </p:spTree>
     <p:extLst>
       <p:ext uri="{BB962C8B-B14F-4D97-AF65-F5344CB8AC3E}">
-        <p14:creationId xmlns:p14="http://schemas.microsoft.com/office/powerpoint/2010/main" val="3042152240"/>
+        <p14:creationId xmlns:p14="http://schemas.microsoft.com/office/powerpoint/2010/main" val="2849105447"/>
       </p:ext>
     </p:extLst>
   </p:cSld>
